--- a/Second Presentation.pptx
+++ b/Second Presentation.pptx
@@ -8,12 +8,11 @@
     <p:sldId id="256" r:id="rId2"/>
     <p:sldId id="257" r:id="rId3"/>
     <p:sldId id="259" r:id="rId4"/>
-    <p:sldId id="264" r:id="rId5"/>
-    <p:sldId id="258" r:id="rId6"/>
-    <p:sldId id="266" r:id="rId7"/>
+    <p:sldId id="258" r:id="rId5"/>
+    <p:sldId id="262" r:id="rId6"/>
+    <p:sldId id="264" r:id="rId7"/>
     <p:sldId id="260" r:id="rId8"/>
     <p:sldId id="261" r:id="rId9"/>
-    <p:sldId id="262" r:id="rId10"/>
   </p:sldIdLst>
   <p:sldSz cx="9144000" cy="6858000" type="screen4x3"/>
   <p:notesSz cx="6858000" cy="9144000"/>
@@ -331,7 +330,7 @@
             <a:pPr>
               <a:defRPr/>
             </a:pPr>
-            <a:fld id="{5AF55F38-A8F5-4B6D-B21B-1BC48DB3D82A}" type="datetimeFigureOut">
+            <a:fld id="{0F98E807-584B-4BD4-BFB8-85F379E4AC8E}" type="datetimeFigureOut">
               <a:rPr lang="fr-FR"/>
               <a:pPr>
                 <a:defRPr/>
@@ -390,7 +389,7 @@
             <a:pPr>
               <a:defRPr/>
             </a:pPr>
-            <a:fld id="{DD99B695-BBB1-47A7-85C3-F615E65E1186}" type="slidenum">
+            <a:fld id="{7C503E02-E10F-4DAA-AA20-0C7CAC31149C}" type="slidenum">
               <a:rPr lang="fr-FR"/>
               <a:pPr>
                 <a:defRPr/>
@@ -523,7 +522,7 @@
             <a:pPr>
               <a:defRPr/>
             </a:pPr>
-            <a:fld id="{4EBB62D4-14FB-482D-8A23-A6B6000FAD14}" type="datetimeFigureOut">
+            <a:fld id="{661270E6-B727-4672-8661-B28388A4C53F}" type="datetimeFigureOut">
               <a:rPr lang="fr-FR"/>
               <a:pPr>
                 <a:defRPr/>
@@ -582,7 +581,7 @@
             <a:pPr>
               <a:defRPr/>
             </a:pPr>
-            <a:fld id="{D55ED301-DB58-49C0-AE30-D11126596962}" type="slidenum">
+            <a:fld id="{F4304BA0-7F29-4C97-9E27-86E96A217D27}" type="slidenum">
               <a:rPr lang="fr-FR"/>
               <a:pPr>
                 <a:defRPr/>
@@ -725,7 +724,7 @@
             <a:pPr>
               <a:defRPr/>
             </a:pPr>
-            <a:fld id="{65D281C5-78FD-4235-90CA-EEABA2374A23}" type="datetimeFigureOut">
+            <a:fld id="{3BEBF972-E45F-4060-B5F1-2F14494E21B4}" type="datetimeFigureOut">
               <a:rPr lang="fr-FR"/>
               <a:pPr>
                 <a:defRPr/>
@@ -784,7 +783,7 @@
             <a:pPr>
               <a:defRPr/>
             </a:pPr>
-            <a:fld id="{A0606720-E871-4D05-BCCC-9D59FC071453}" type="slidenum">
+            <a:fld id="{D5A33E30-BC46-40F5-90F8-563269842AA7}" type="slidenum">
               <a:rPr lang="fr-FR"/>
               <a:pPr>
                 <a:defRPr/>
@@ -917,7 +916,7 @@
             <a:pPr>
               <a:defRPr/>
             </a:pPr>
-            <a:fld id="{AC542F83-DA81-4B68-9D98-9BE7E8A9CD67}" type="datetimeFigureOut">
+            <a:fld id="{48720638-CDDE-4200-82C4-8AFDEEC70FA1}" type="datetimeFigureOut">
               <a:rPr lang="fr-FR"/>
               <a:pPr>
                 <a:defRPr/>
@@ -976,7 +975,7 @@
             <a:pPr>
               <a:defRPr/>
             </a:pPr>
-            <a:fld id="{85527141-6F31-48D8-8353-F2CFCBCDEB5F}" type="slidenum">
+            <a:fld id="{790FC252-C517-4A6B-8D81-75471F48BA1F}" type="slidenum">
               <a:rPr lang="fr-FR"/>
               <a:pPr>
                 <a:defRPr/>
@@ -1185,7 +1184,7 @@
             <a:pPr>
               <a:defRPr/>
             </a:pPr>
-            <a:fld id="{99197BD9-C3D9-4301-8B12-51CD52D209EF}" type="datetimeFigureOut">
+            <a:fld id="{DE635B05-5AC4-4EFB-AB26-8F2A43B22D9D}" type="datetimeFigureOut">
               <a:rPr lang="fr-FR"/>
               <a:pPr>
                 <a:defRPr/>
@@ -1244,7 +1243,7 @@
             <a:pPr>
               <a:defRPr/>
             </a:pPr>
-            <a:fld id="{8EAAAA3D-DBB2-40B6-868A-BFF16659DAE7}" type="slidenum">
+            <a:fld id="{00B3DF63-EE99-4CAC-A1CB-586135BBE098}" type="slidenum">
               <a:rPr lang="fr-FR"/>
               <a:pPr>
                 <a:defRPr/>
@@ -1495,7 +1494,7 @@
             <a:pPr>
               <a:defRPr/>
             </a:pPr>
-            <a:fld id="{1CAE974C-8A32-4EBF-822D-79E39486FE83}" type="datetimeFigureOut">
+            <a:fld id="{60C96C71-23BE-4A2A-A3C7-52DBF32490D6}" type="datetimeFigureOut">
               <a:rPr lang="fr-FR"/>
               <a:pPr>
                 <a:defRPr/>
@@ -1554,7 +1553,7 @@
             <a:pPr>
               <a:defRPr/>
             </a:pPr>
-            <a:fld id="{4F8D5075-7FA5-444B-AE62-3130A132D58B}" type="slidenum">
+            <a:fld id="{F9793767-9E4C-45F3-8A50-91CA5FE6AC66}" type="slidenum">
               <a:rPr lang="fr-FR"/>
               <a:pPr>
                 <a:defRPr/>
@@ -1939,7 +1938,7 @@
             <a:pPr>
               <a:defRPr/>
             </a:pPr>
-            <a:fld id="{E771C5E2-1E64-4946-AAB9-A33BA30C208D}" type="datetimeFigureOut">
+            <a:fld id="{DC99B500-BD28-4C85-9AD4-9B72E05C5818}" type="datetimeFigureOut">
               <a:rPr lang="fr-FR"/>
               <a:pPr>
                 <a:defRPr/>
@@ -1998,7 +1997,7 @@
             <a:pPr>
               <a:defRPr/>
             </a:pPr>
-            <a:fld id="{3A17AE36-0C69-45C0-90CD-AC420E47A794}" type="slidenum">
+            <a:fld id="{6855B787-6056-4782-B514-80D6B2005ADE}" type="slidenum">
               <a:rPr lang="fr-FR"/>
               <a:pPr>
                 <a:defRPr/>
@@ -2079,7 +2078,7 @@
             <a:pPr>
               <a:defRPr/>
             </a:pPr>
-            <a:fld id="{13610E32-0EBD-4465-AA0C-39FB77954672}" type="datetimeFigureOut">
+            <a:fld id="{9E976585-BD53-49F5-993A-FCF00929FC9A}" type="datetimeFigureOut">
               <a:rPr lang="fr-FR"/>
               <a:pPr>
                 <a:defRPr/>
@@ -2138,7 +2137,7 @@
             <a:pPr>
               <a:defRPr/>
             </a:pPr>
-            <a:fld id="{5EA0D473-5F29-468D-816A-63B1BFF570DC}" type="slidenum">
+            <a:fld id="{568D0EB5-1A87-4E73-AD49-7ACE8045E380}" type="slidenum">
               <a:rPr lang="fr-FR"/>
               <a:pPr>
                 <a:defRPr/>
@@ -2196,7 +2195,7 @@
             <a:pPr>
               <a:defRPr/>
             </a:pPr>
-            <a:fld id="{E4582CB0-9214-468A-90E6-8C3526CE34C5}" type="datetimeFigureOut">
+            <a:fld id="{E0DC0939-2C91-4487-AA10-151FCA9794D7}" type="datetimeFigureOut">
               <a:rPr lang="fr-FR"/>
               <a:pPr>
                 <a:defRPr/>
@@ -2255,7 +2254,7 @@
             <a:pPr>
               <a:defRPr/>
             </a:pPr>
-            <a:fld id="{0A69AC2F-5F1D-4931-8A18-15C77A98BFF9}" type="slidenum">
+            <a:fld id="{57EB0EDF-DC12-4802-A2C3-9A784AB85CA0}" type="slidenum">
               <a:rPr lang="fr-FR"/>
               <a:pPr>
                 <a:defRPr/>
@@ -2495,7 +2494,7 @@
             <a:pPr>
               <a:defRPr/>
             </a:pPr>
-            <a:fld id="{16EF46FA-C7BF-4DD4-A4AD-32993428643E}" type="datetimeFigureOut">
+            <a:fld id="{73170240-E266-43A5-BA53-DE73A24BE1DB}" type="datetimeFigureOut">
               <a:rPr lang="fr-FR"/>
               <a:pPr>
                 <a:defRPr/>
@@ -2554,7 +2553,7 @@
             <a:pPr>
               <a:defRPr/>
             </a:pPr>
-            <a:fld id="{D8EBF80D-0D60-496D-9CE9-46B22FB06632}" type="slidenum">
+            <a:fld id="{3101BED1-41A2-4F74-8921-69853F42C08A}" type="slidenum">
               <a:rPr lang="fr-FR"/>
               <a:pPr>
                 <a:defRPr/>
@@ -2777,7 +2776,7 @@
             <a:pPr>
               <a:defRPr/>
             </a:pPr>
-            <a:fld id="{B7F4AC98-8824-4B66-A2EA-900185AB6415}" type="datetimeFigureOut">
+            <a:fld id="{3A2FC1B7-7708-4D3C-8E14-210D4FF7F242}" type="datetimeFigureOut">
               <a:rPr lang="fr-FR"/>
               <a:pPr>
                 <a:defRPr/>
@@ -2836,7 +2835,7 @@
             <a:pPr>
               <a:defRPr/>
             </a:pPr>
-            <a:fld id="{5FA12F1A-7E39-46F7-8C72-75A2A9F4B9EF}" type="slidenum">
+            <a:fld id="{789E1018-2753-4FE9-86A8-3F999CA3A895}" type="slidenum">
               <a:rPr lang="fr-FR"/>
               <a:pPr>
                 <a:defRPr/>
@@ -3034,7 +3033,7 @@
             <a:pPr>
               <a:defRPr/>
             </a:pPr>
-            <a:fld id="{B60AABC0-F2D2-4E43-8EE5-1B8ABF6FA92A}" type="datetimeFigureOut">
+            <a:fld id="{01ADA54B-B5BD-49B8-B00A-89F66A647002}" type="datetimeFigureOut">
               <a:rPr lang="fr-FR"/>
               <a:pPr>
                 <a:defRPr/>
@@ -3139,7 +3138,7 @@
             <a:pPr>
               <a:defRPr/>
             </a:pPr>
-            <a:fld id="{D20A4A71-CF9D-4892-AAF4-179855C2768D}" type="slidenum">
+            <a:fld id="{D48C63F7-B576-40CC-A96C-E77857D26BA4}" type="slidenum">
               <a:rPr lang="fr-FR"/>
               <a:pPr>
                 <a:defRPr/>
@@ -3168,7 +3167,7 @@
   </p:sldLayoutIdLst>
   <p:txStyles>
     <p:titleStyle>
-      <a:lvl1pPr algn="ctr" rtl="0" fontAlgn="base">
+      <a:lvl1pPr algn="ctr" rtl="0" eaLnBrk="0" fontAlgn="base" hangingPunct="0">
         <a:spcBef>
           <a:spcPct val="0"/>
         </a:spcBef>
@@ -3184,7 +3183,7 @@
           <a:cs typeface="ＭＳ Ｐゴシック" pitchFamily="-72" charset="-128"/>
         </a:defRPr>
       </a:lvl1pPr>
-      <a:lvl2pPr algn="ctr" rtl="0" fontAlgn="base">
+      <a:lvl2pPr algn="ctr" rtl="0" eaLnBrk="0" fontAlgn="base" hangingPunct="0">
         <a:spcBef>
           <a:spcPct val="0"/>
         </a:spcBef>
@@ -3200,7 +3199,7 @@
           <a:cs typeface="ＭＳ Ｐゴシック" pitchFamily="-72" charset="-128"/>
         </a:defRPr>
       </a:lvl2pPr>
-      <a:lvl3pPr algn="ctr" rtl="0" fontAlgn="base">
+      <a:lvl3pPr algn="ctr" rtl="0" eaLnBrk="0" fontAlgn="base" hangingPunct="0">
         <a:spcBef>
           <a:spcPct val="0"/>
         </a:spcBef>
@@ -3216,7 +3215,7 @@
           <a:cs typeface="ＭＳ Ｐゴシック" pitchFamily="-72" charset="-128"/>
         </a:defRPr>
       </a:lvl3pPr>
-      <a:lvl4pPr algn="ctr" rtl="0" fontAlgn="base">
+      <a:lvl4pPr algn="ctr" rtl="0" eaLnBrk="0" fontAlgn="base" hangingPunct="0">
         <a:spcBef>
           <a:spcPct val="0"/>
         </a:spcBef>
@@ -3232,7 +3231,7 @@
           <a:cs typeface="ＭＳ Ｐゴシック" pitchFamily="-72" charset="-128"/>
         </a:defRPr>
       </a:lvl4pPr>
-      <a:lvl5pPr algn="ctr" rtl="0" fontAlgn="base">
+      <a:lvl5pPr algn="ctr" rtl="0" eaLnBrk="0" fontAlgn="base" hangingPunct="0">
         <a:spcBef>
           <a:spcPct val="0"/>
         </a:spcBef>
@@ -3306,7 +3305,7 @@
       </a:lvl9pPr>
     </p:titleStyle>
     <p:bodyStyle>
-      <a:lvl1pPr marL="342900" indent="-342900" algn="l" rtl="0" fontAlgn="base">
+      <a:lvl1pPr marL="342900" indent="-342900" algn="l" rtl="0" eaLnBrk="0" fontAlgn="base" hangingPunct="0">
         <a:spcBef>
           <a:spcPct val="20000"/>
         </a:spcBef>
@@ -3324,7 +3323,7 @@
           <a:cs typeface="ＭＳ Ｐゴシック" pitchFamily="-72" charset="-128"/>
         </a:defRPr>
       </a:lvl1pPr>
-      <a:lvl2pPr marL="742950" indent="-285750" algn="l" rtl="0" fontAlgn="base">
+      <a:lvl2pPr marL="742950" indent="-285750" algn="l" rtl="0" eaLnBrk="0" fontAlgn="base" hangingPunct="0">
         <a:spcBef>
           <a:spcPct val="20000"/>
         </a:spcBef>
@@ -3342,7 +3341,7 @@
           <a:cs typeface="+mn-cs"/>
         </a:defRPr>
       </a:lvl2pPr>
-      <a:lvl3pPr marL="1143000" indent="-228600" algn="l" rtl="0" fontAlgn="base">
+      <a:lvl3pPr marL="1143000" indent="-228600" algn="l" rtl="0" eaLnBrk="0" fontAlgn="base" hangingPunct="0">
         <a:spcBef>
           <a:spcPct val="20000"/>
         </a:spcBef>
@@ -3360,7 +3359,7 @@
           <a:cs typeface="+mn-cs"/>
         </a:defRPr>
       </a:lvl3pPr>
-      <a:lvl4pPr marL="1600200" indent="-228600" algn="l" rtl="0" fontAlgn="base">
+      <a:lvl4pPr marL="1600200" indent="-228600" algn="l" rtl="0" eaLnBrk="0" fontAlgn="base" hangingPunct="0">
         <a:spcBef>
           <a:spcPct val="20000"/>
         </a:spcBef>
@@ -3378,7 +3377,7 @@
           <a:cs typeface="+mn-cs"/>
         </a:defRPr>
       </a:lvl4pPr>
-      <a:lvl5pPr marL="2057400" indent="-228600" algn="l" rtl="0" fontAlgn="base">
+      <a:lvl5pPr marL="2057400" indent="-228600" algn="l" rtl="0" eaLnBrk="0" fontAlgn="base" hangingPunct="0">
         <a:spcBef>
           <a:spcPct val="20000"/>
         </a:spcBef>
@@ -3605,6 +3604,7 @@
           <a:bodyPr/>
           <a:lstStyle/>
           <a:p>
+            <a:pPr eaLnBrk="1" hangingPunct="1"/>
             <a:r>
               <a:rPr lang="fr-CA" smtClean="0">
                 <a:solidFill>
@@ -3641,6 +3641,7 @@
           <a:bodyPr/>
           <a:lstStyle/>
           <a:p>
+            <a:pPr eaLnBrk="1" hangingPunct="1"/>
             <a:r>
               <a:rPr lang="fr-CA" smtClean="0">
                 <a:solidFill>
@@ -3651,6 +3652,7 @@
             </a:r>
           </a:p>
           <a:p>
+            <a:pPr eaLnBrk="1" hangingPunct="1"/>
             <a:r>
               <a:rPr lang="fr-CA" smtClean="0">
                 <a:solidFill>
@@ -3731,7 +3733,7 @@
           <a:bodyPr/>
           <a:lstStyle/>
           <a:p>
-            <a:pPr algn="l"/>
+            <a:pPr algn="l" eaLnBrk="1" hangingPunct="1"/>
             <a:r>
               <a:rPr lang="fr-CA" smtClean="0"/>
               <a:t>Dawn of the Sticks</a:t>
@@ -3767,55 +3769,63 @@
           <a:bodyPr/>
           <a:lstStyle/>
           <a:p>
+            <a:pPr eaLnBrk="1" hangingPunct="1"/>
             <a:r>
               <a:rPr lang="fr-FR" smtClean="0"/>
               <a:t>Full feature title screen</a:t>
             </a:r>
           </a:p>
           <a:p>
+            <a:pPr eaLnBrk="1" hangingPunct="1"/>
             <a:r>
               <a:rPr lang="fr-FR" smtClean="0"/>
               <a:t>Character can move left and right</a:t>
             </a:r>
           </a:p>
           <a:p>
+            <a:pPr eaLnBrk="1" hangingPunct="1"/>
             <a:r>
               <a:rPr lang="fr-FR" smtClean="0"/>
               <a:t>Ability to climb ladders</a:t>
             </a:r>
           </a:p>
           <a:p>
+            <a:pPr eaLnBrk="1" hangingPunct="1"/>
             <a:r>
               <a:rPr lang="fr-FR" smtClean="0"/>
               <a:t>Character falls if not on platform</a:t>
             </a:r>
           </a:p>
           <a:p>
+            <a:pPr eaLnBrk="1" hangingPunct="1"/>
             <a:r>
               <a:rPr lang="fr-FR" smtClean="0"/>
               <a:t>Precision timing for reloading/shooting</a:t>
             </a:r>
           </a:p>
           <a:p>
+            <a:pPr eaLnBrk="1" hangingPunct="1"/>
             <a:r>
               <a:rPr lang="fr-FR" smtClean="0"/>
               <a:t>Map Graphic for Level 1</a:t>
             </a:r>
           </a:p>
           <a:p>
+            <a:pPr eaLnBrk="1" hangingPunct="1"/>
             <a:r>
               <a:rPr lang="fr-FR" smtClean="0"/>
               <a:t>Gameplay music, reloading/shooting sound effects</a:t>
             </a:r>
           </a:p>
           <a:p>
-            <a:pPr>
+            <a:pPr eaLnBrk="1" hangingPunct="1">
               <a:buFont typeface="Arial" pitchFamily="-72" charset="0"/>
               <a:buNone/>
             </a:pPr>
             <a:endParaRPr lang="fr-FR" smtClean="0"/>
           </a:p>
           <a:p>
+            <a:pPr eaLnBrk="1" hangingPunct="1"/>
             <a:endParaRPr lang="fr-FR" smtClean="0"/>
           </a:p>
         </p:txBody>
@@ -3884,6 +3894,7 @@
           <a:bodyPr/>
           <a:lstStyle/>
           <a:p>
+            <a:pPr eaLnBrk="1" hangingPunct="1"/>
             <a:r>
               <a:rPr lang="fr-CA" smtClean="0">
                 <a:solidFill>
@@ -3916,30 +3927,35 @@
           <a:bodyPr/>
           <a:lstStyle/>
           <a:p>
+            <a:pPr eaLnBrk="1" hangingPunct="1"/>
             <a:r>
               <a:rPr lang="fr-FR" sz="2800" smtClean="0"/>
               <a:t>As a user I should be able to move left/right using left/right arrow keys </a:t>
             </a:r>
           </a:p>
           <a:p>
+            <a:pPr eaLnBrk="1" hangingPunct="1"/>
             <a:r>
               <a:rPr lang="fr-FR" sz="2800" smtClean="0"/>
               <a:t>As a user I should be able to climb ladders </a:t>
             </a:r>
           </a:p>
           <a:p>
+            <a:pPr eaLnBrk="1" hangingPunct="1"/>
             <a:r>
               <a:rPr lang="fr-FR" sz="2800" smtClean="0"/>
               <a:t>As a user I should be able to shoot left and right using space bar, and reload with ‘r’</a:t>
             </a:r>
           </a:p>
           <a:p>
+            <a:pPr eaLnBrk="1" hangingPunct="1"/>
             <a:r>
               <a:rPr lang="fr-FR" sz="2800" smtClean="0"/>
               <a:t>As a user I should be able to navigate through a title menu and choose my hero before beginning the game</a:t>
             </a:r>
           </a:p>
           <a:p>
+            <a:pPr eaLnBrk="1" hangingPunct="1"/>
             <a:r>
               <a:rPr lang="fr-FR" sz="2800" smtClean="0"/>
               <a:t>As a user I should be able to see the Exit door open when the required number of Zombies are killed</a:t>
@@ -3993,144 +4009,20 @@
       </p:grpSpPr>
       <p:sp>
         <p:nvSpPr>
-          <p:cNvPr id="21506" name="Titre 1"/>
-          <p:cNvSpPr>
-            <a:spLocks noGrp="1"/>
-          </p:cNvSpPr>
-          <p:nvPr>
-            <p:ph type="title" idx="4294967295"/>
-          </p:nvPr>
-        </p:nvSpPr>
-        <p:spPr>
-          <a:xfrm>
-            <a:off x="457200" y="304800"/>
-            <a:ext cx="8229600" cy="1143000"/>
-          </a:xfrm>
-        </p:spPr>
+          <p:cNvPr id="17410" name="Titre 1"/>
+          <p:cNvSpPr>
+            <a:spLocks noGrp="1"/>
+          </p:cNvSpPr>
+          <p:nvPr>
+            <p:ph type="title"/>
+          </p:nvPr>
+        </p:nvSpPr>
+        <p:spPr/>
         <p:txBody>
           <a:bodyPr/>
           <a:lstStyle/>
           <a:p>
-            <a:r>
-              <a:rPr lang="fr-CA" smtClean="0">
-                <a:solidFill>
-                  <a:schemeClr val="bg1"/>
-                </a:solidFill>
-              </a:rPr>
-              <a:t>User Stories For Second Release</a:t>
-            </a:r>
-            <a:endParaRPr lang="fr-FR" smtClean="0">
-              <a:solidFill>
-                <a:schemeClr val="bg1"/>
-              </a:solidFill>
-            </a:endParaRPr>
-          </a:p>
-        </p:txBody>
-      </p:sp>
-      <p:sp>
-        <p:nvSpPr>
-          <p:cNvPr id="21507" name="Espace réservé du contenu 2"/>
-          <p:cNvSpPr>
-            <a:spLocks noGrp="1"/>
-          </p:cNvSpPr>
-          <p:nvPr>
-            <p:ph idx="4294967295"/>
-          </p:nvPr>
-        </p:nvSpPr>
-        <p:spPr>
-          <a:xfrm>
-            <a:off x="457200" y="1928813"/>
-            <a:ext cx="8229600" cy="4525962"/>
-          </a:xfrm>
-        </p:spPr>
-        <p:txBody>
-          <a:bodyPr/>
-          <a:lstStyle/>
-          <a:p>
-            <a:r>
-              <a:rPr lang="fr-FR" sz="2800" smtClean="0"/>
-              <a:t>As a user I should be able to see zombies coming after my player </a:t>
-            </a:r>
-          </a:p>
-          <a:p>
-            <a:r>
-              <a:rPr lang="fr-FR" sz="2800" smtClean="0"/>
-              <a:t>As a user I should be able to see my player’s health points</a:t>
-            </a:r>
-          </a:p>
-          <a:p>
-            <a:r>
-              <a:rPr lang="fr-FR" sz="2800" smtClean="0"/>
-              <a:t>As a user I should be able to have my bullets damage the zombies</a:t>
-            </a:r>
-          </a:p>
-          <a:p>
-            <a:r>
-              <a:rPr lang="fr-FR" sz="2800" smtClean="0"/>
-              <a:t>As a user I should be able to leave through the exit door </a:t>
-            </a:r>
-          </a:p>
-        </p:txBody>
-      </p:sp>
-    </p:spTree>
-  </p:cSld>
-  <p:clrMapOvr>
-    <a:masterClrMapping/>
-  </p:clrMapOvr>
-  <p:timing>
-    <p:tnLst>
-      <p:par>
-        <p:cTn id="1" dur="indefinite" restart="never" nodeType="tmRoot"/>
-      </p:par>
-    </p:tnLst>
-  </p:timing>
-</p:sld>
-</file>
-
-<file path=ppt/slides/slide5.xml><?xml version="1.0" encoding="utf-8"?>
-<p:sld xmlns:a="http://schemas.openxmlformats.org/drawingml/2006/main" xmlns:r="http://schemas.openxmlformats.org/officeDocument/2006/relationships" xmlns:mc="http://schemas.openxmlformats.org/markup-compatibility/2006" xmlns:mv="urn:schemas-microsoft-com:mac:vml" xmlns:p="http://schemas.openxmlformats.org/presentationml/2006/main" mc:Ignorable="mv" mc:PreserveAttributes="mv:*">
-  <p:cSld>
-    <p:bg>
-      <p:bgPr>
-        <a:blipFill dpi="0" rotWithShape="0">
-          <a:blip r:embed="rId2"/>
-          <a:srcRect/>
-          <a:stretch>
-            <a:fillRect/>
-          </a:stretch>
-        </a:blipFill>
-        <a:effectLst/>
-      </p:bgPr>
-    </p:bg>
-    <p:spTree>
-      <p:nvGrpSpPr>
-        <p:cNvPr id="1" name=""/>
-        <p:cNvGrpSpPr/>
-        <p:nvPr/>
-      </p:nvGrpSpPr>
-      <p:grpSpPr>
-        <a:xfrm>
-          <a:off x="0" y="0"/>
-          <a:ext cx="0" cy="0"/>
-          <a:chOff x="0" y="0"/>
-          <a:chExt cx="0" cy="0"/>
-        </a:xfrm>
-      </p:grpSpPr>
-      <p:sp>
-        <p:nvSpPr>
-          <p:cNvPr id="16386" name="Titre 1"/>
-          <p:cNvSpPr>
-            <a:spLocks noGrp="1"/>
-          </p:cNvSpPr>
-          <p:nvPr>
-            <p:ph type="title"/>
-          </p:nvPr>
-        </p:nvSpPr>
-        <p:spPr/>
-        <p:txBody>
-          <a:bodyPr/>
-          <a:lstStyle/>
-          <a:p>
+            <a:pPr eaLnBrk="1" hangingPunct="1"/>
             <a:r>
               <a:rPr lang="fr-CA" smtClean="0">
                 <a:solidFill>
@@ -4144,7 +4036,7 @@
       </p:sp>
       <p:pic>
         <p:nvPicPr>
-          <p:cNvPr id="16388" name="Picture 1028" descr="Screen shot 2012-02-16 at 11"/>
+          <p:cNvPr id="17411" name="Picture 1028" descr="Screen shot 2012-02-16 at 11"/>
           <p:cNvPicPr>
             <a:picLocks noGrp="1" noChangeAspect="1" noChangeArrowheads="1"/>
           </p:cNvPicPr>
@@ -4178,6 +4070,143 @@
       </p:par>
     </p:tnLst>
   </p:timing>
+</p:sld>
+</file>
+
+<file path=ppt/slides/slide5.xml><?xml version="1.0" encoding="utf-8"?>
+<p:sld xmlns:a="http://schemas.openxmlformats.org/drawingml/2006/main" xmlns:r="http://schemas.openxmlformats.org/officeDocument/2006/relationships" xmlns:mc="http://schemas.openxmlformats.org/markup-compatibility/2006" xmlns:mv="urn:schemas-microsoft-com:mac:vml" xmlns:p="http://schemas.openxmlformats.org/presentationml/2006/main" mc:Ignorable="mv" mc:PreserveAttributes="mv:*">
+  <p:cSld>
+    <p:spTree>
+      <p:nvGrpSpPr>
+        <p:cNvPr id="1" name=""/>
+        <p:cNvGrpSpPr/>
+        <p:nvPr/>
+      </p:nvGrpSpPr>
+      <p:grpSpPr>
+        <a:xfrm>
+          <a:off x="0" y="0"/>
+          <a:ext cx="0" cy="0"/>
+          <a:chOff x="0" y="0"/>
+          <a:chExt cx="0" cy="0"/>
+        </a:xfrm>
+      </p:grpSpPr>
+      <p:pic>
+        <p:nvPicPr>
+          <p:cNvPr id="21505" name="Content Placeholder 3" descr="04.jpg"/>
+          <p:cNvPicPr>
+            <a:picLocks noGrp="1" noChangeAspect="1"/>
+          </p:cNvPicPr>
+          <p:nvPr>
+            <p:ph idx="1"/>
+          </p:nvPr>
+        </p:nvPicPr>
+        <p:blipFill>
+          <a:blip r:embed="rId2"/>
+          <a:srcRect/>
+          <a:stretch>
+            <a:fillRect/>
+          </a:stretch>
+        </p:blipFill>
+        <p:spPr>
+          <a:xfrm>
+            <a:off x="0" y="0"/>
+            <a:ext cx="9144000" cy="6858000"/>
+          </a:xfrm>
+        </p:spPr>
+      </p:pic>
+      <p:sp>
+        <p:nvSpPr>
+          <p:cNvPr id="21506" name="Title 1"/>
+          <p:cNvSpPr>
+            <a:spLocks noGrp="1"/>
+          </p:cNvSpPr>
+          <p:nvPr>
+            <p:ph type="title"/>
+          </p:nvPr>
+        </p:nvSpPr>
+        <p:spPr/>
+        <p:txBody>
+          <a:bodyPr/>
+          <a:lstStyle/>
+          <a:p>
+            <a:pPr eaLnBrk="1" hangingPunct="1"/>
+            <a:r>
+              <a:rPr lang="en-US" smtClean="0">
+                <a:solidFill>
+                  <a:schemeClr val="bg1"/>
+                </a:solidFill>
+              </a:rPr>
+              <a:t>Demo</a:t>
+            </a:r>
+          </a:p>
+        </p:txBody>
+      </p:sp>
+      <p:sp>
+        <p:nvSpPr>
+          <p:cNvPr id="21507" name="TextBox 4"/>
+          <p:cNvSpPr txBox="1">
+            <a:spLocks noChangeArrowheads="1"/>
+          </p:cNvSpPr>
+          <p:nvPr/>
+        </p:nvSpPr>
+        <p:spPr bwMode="auto">
+          <a:xfrm>
+            <a:off x="228600" y="2209800"/>
+            <a:ext cx="8686800" cy="1068388"/>
+          </a:xfrm>
+          <a:prstGeom prst="rect">
+            <a:avLst/>
+          </a:prstGeom>
+          <a:noFill/>
+          <a:ln w="9525">
+            <a:noFill/>
+            <a:miter lim="800000"/>
+            <a:headEnd/>
+            <a:tailEnd/>
+          </a:ln>
+        </p:spPr>
+        <p:txBody>
+          <a:bodyPr>
+            <a:prstTxWarp prst="textNoShape">
+              <a:avLst/>
+            </a:prstTxWarp>
+            <a:spAutoFit/>
+          </a:bodyPr>
+          <a:lstStyle/>
+          <a:p>
+            <a:pPr algn="ctr"/>
+            <a:r>
+              <a:rPr lang="en-US" sz="2800">
+                <a:latin typeface="Calibri" pitchFamily="-72" charset="0"/>
+              </a:rPr>
+              <a:t>Credit</a:t>
+            </a:r>
+          </a:p>
+          <a:p>
+            <a:pPr algn="ctr"/>
+            <a:r>
+              <a:rPr lang="en-US" sz="1800">
+                <a:latin typeface="Calibri" pitchFamily="-72" charset="0"/>
+              </a:rPr>
+              <a:t>Game design: Team 3</a:t>
+            </a:r>
+          </a:p>
+          <a:p>
+            <a:pPr algn="ctr"/>
+            <a:r>
+              <a:rPr lang="en-US" sz="1800">
+                <a:latin typeface="Calibri" pitchFamily="-72" charset="0"/>
+              </a:rPr>
+              <a:t>Music by: Flux Pavilion, Zombie Panic, Excision &amp; Datsik </a:t>
+            </a:r>
+          </a:p>
+        </p:txBody>
+      </p:sp>
+    </p:spTree>
+  </p:cSld>
+  <p:clrMapOvr>
+    <a:masterClrMapping/>
+  </p:clrMapOvr>
 </p:sld>
 </file>
 
@@ -4212,7 +4241,7 @@
       </p:grpSpPr>
       <p:sp>
         <p:nvSpPr>
-          <p:cNvPr id="23554" name="Titre 1"/>
+          <p:cNvPr id="16386" name="Titre 1"/>
           <p:cNvSpPr>
             <a:spLocks noGrp="1"/>
           </p:cNvSpPr>
@@ -4220,18 +4249,24 @@
             <p:ph type="title" idx="4294967295"/>
           </p:nvPr>
         </p:nvSpPr>
-        <p:spPr/>
+        <p:spPr>
+          <a:xfrm>
+            <a:off x="457200" y="304800"/>
+            <a:ext cx="8229600" cy="1143000"/>
+          </a:xfrm>
+        </p:spPr>
         <p:txBody>
           <a:bodyPr/>
           <a:lstStyle/>
           <a:p>
+            <a:pPr eaLnBrk="1" hangingPunct="1"/>
             <a:r>
               <a:rPr lang="fr-CA" smtClean="0">
                 <a:solidFill>
                   <a:schemeClr val="bg1"/>
                 </a:solidFill>
               </a:rPr>
-              <a:t>Code for Tests </a:t>
+              <a:t>User Stories For Second Release</a:t>
             </a:r>
             <a:endParaRPr lang="fr-FR" smtClean="0">
               <a:solidFill>
@@ -4241,32 +4276,55 @@
           </a:p>
         </p:txBody>
       </p:sp>
-      <p:pic>
-        <p:nvPicPr>
-          <p:cNvPr id="23556" name="Picture 1028" descr="Screen shot 2012-02-16 at 11"/>
-          <p:cNvPicPr>
-            <a:picLocks noChangeAspect="1" noChangeArrowheads="1"/>
-          </p:cNvPicPr>
-          <p:nvPr/>
-        </p:nvPicPr>
-        <p:blipFill>
-          <a:blip r:embed="rId3"/>
-          <a:srcRect/>
-          <a:stretch>
-            <a:fillRect/>
-          </a:stretch>
-        </p:blipFill>
-        <p:spPr bwMode="auto">
+      <p:sp>
+        <p:nvSpPr>
+          <p:cNvPr id="16387" name="Espace réservé du contenu 2"/>
+          <p:cNvSpPr>
+            <a:spLocks noGrp="1"/>
+          </p:cNvSpPr>
+          <p:nvPr>
+            <p:ph idx="4294967295"/>
+          </p:nvPr>
+        </p:nvSpPr>
+        <p:spPr>
           <a:xfrm>
-            <a:off x="0" y="2209800"/>
-            <a:ext cx="8966200" cy="3733800"/>
+            <a:off x="457200" y="1928813"/>
+            <a:ext cx="8229600" cy="4525962"/>
           </a:xfrm>
-          <a:prstGeom prst="rect">
-            <a:avLst/>
-          </a:prstGeom>
-          <a:noFill/>
         </p:spPr>
-      </p:pic>
+        <p:txBody>
+          <a:bodyPr/>
+          <a:lstStyle/>
+          <a:p>
+            <a:pPr eaLnBrk="1" hangingPunct="1"/>
+            <a:r>
+              <a:rPr lang="fr-FR" sz="2800" smtClean="0"/>
+              <a:t>As a user I should be able to see zombies coming after my player </a:t>
+            </a:r>
+          </a:p>
+          <a:p>
+            <a:pPr eaLnBrk="1" hangingPunct="1"/>
+            <a:r>
+              <a:rPr lang="fr-FR" sz="2800" smtClean="0"/>
+              <a:t>As a user I should be able to see my player’s health points</a:t>
+            </a:r>
+          </a:p>
+          <a:p>
+            <a:pPr eaLnBrk="1" hangingPunct="1"/>
+            <a:r>
+              <a:rPr lang="fr-FR" sz="2800" smtClean="0"/>
+              <a:t>As a user I should be able to have my bullets damage the zombies</a:t>
+            </a:r>
+          </a:p>
+          <a:p>
+            <a:pPr eaLnBrk="1" hangingPunct="1"/>
+            <a:r>
+              <a:rPr lang="fr-FR" sz="2800" smtClean="0"/>
+              <a:t>As a user I should be able to leave through the exit door </a:t>
+            </a:r>
+          </a:p>
+        </p:txBody>
+      </p:sp>
     </p:spTree>
   </p:cSld>
   <p:clrMapOvr>
@@ -4313,7 +4371,7 @@
       </p:grpSpPr>
       <p:sp>
         <p:nvSpPr>
-          <p:cNvPr id="17410" name="Titre 1"/>
+          <p:cNvPr id="19458" name="Titre 1"/>
           <p:cNvSpPr>
             <a:spLocks noGrp="1"/>
           </p:cNvSpPr>
@@ -4331,7 +4389,7 @@
           <a:bodyPr/>
           <a:lstStyle/>
           <a:p>
-            <a:pPr algn="l"/>
+            <a:pPr algn="l" eaLnBrk="1" hangingPunct="1"/>
             <a:r>
               <a:rPr lang="fr-CA" smtClean="0"/>
               <a:t>Current Status of the Game</a:t>
@@ -4342,7 +4400,7 @@
       </p:sp>
       <p:sp>
         <p:nvSpPr>
-          <p:cNvPr id="17411" name="Espace réservé du contenu 2"/>
+          <p:cNvPr id="19459" name="Espace réservé du contenu 2"/>
           <p:cNvSpPr>
             <a:spLocks noGrp="1"/>
           </p:cNvSpPr>
@@ -4360,18 +4418,21 @@
           <a:bodyPr/>
           <a:lstStyle/>
           <a:p>
+            <a:pPr eaLnBrk="1" hangingPunct="1"/>
             <a:r>
               <a:rPr lang="fr-FR" smtClean="0"/>
               <a:t>Main menu and hero selection and Credits</a:t>
             </a:r>
           </a:p>
           <a:p>
+            <a:pPr eaLnBrk="1" hangingPunct="1"/>
             <a:r>
               <a:rPr lang="fr-FR" smtClean="0"/>
               <a:t>Hero can move, shoot, climb, reload.</a:t>
             </a:r>
           </a:p>
           <a:p>
+            <a:pPr eaLnBrk="1" hangingPunct="1"/>
             <a:r>
               <a:rPr lang="fr-FR" smtClean="0"/>
               <a:t>Camera moves along with hero</a:t>
@@ -4413,7 +4474,7 @@
       </p:grpSpPr>
       <p:pic>
         <p:nvPicPr>
-          <p:cNvPr id="18433" name="Picture 3" descr="02.jpg"/>
+          <p:cNvPr id="20481" name="Picture 3" descr="02.jpg"/>
           <p:cNvPicPr>
             <a:picLocks noChangeAspect="1"/>
           </p:cNvPicPr>
@@ -4445,7 +4506,7 @@
       </p:pic>
       <p:sp>
         <p:nvSpPr>
-          <p:cNvPr id="18434" name="Title 1"/>
+          <p:cNvPr id="20482" name="Title 1"/>
           <p:cNvSpPr>
             <a:spLocks noGrp="1"/>
           </p:cNvSpPr>
@@ -4463,6 +4524,7 @@
           <a:bodyPr/>
           <a:lstStyle/>
           <a:p>
+            <a:pPr eaLnBrk="1" hangingPunct="1"/>
             <a:r>
               <a:rPr lang="en-US" smtClean="0"/>
               <a:t>Plan For Next Release</a:t>
@@ -4472,7 +4534,7 @@
       </p:sp>
       <p:sp>
         <p:nvSpPr>
-          <p:cNvPr id="18435" name="Content Placeholder 2"/>
+          <p:cNvPr id="20483" name="Content Placeholder 2"/>
           <p:cNvSpPr>
             <a:spLocks noGrp="1"/>
           </p:cNvSpPr>
@@ -4490,161 +4552,38 @@
           <a:bodyPr/>
           <a:lstStyle/>
           <a:p>
+            <a:pPr eaLnBrk="1" hangingPunct="1"/>
             <a:r>
               <a:rPr lang="en-US" smtClean="0"/>
               <a:t>Zombies</a:t>
             </a:r>
           </a:p>
           <a:p>
+            <a:pPr eaLnBrk="1" hangingPunct="1"/>
             <a:r>
               <a:rPr lang="en-US" smtClean="0"/>
               <a:t>Level update</a:t>
             </a:r>
           </a:p>
           <a:p>
+            <a:pPr eaLnBrk="1" hangingPunct="1"/>
             <a:r>
               <a:rPr lang="en-US" smtClean="0"/>
               <a:t>Increase difficulty with level</a:t>
             </a:r>
           </a:p>
           <a:p>
+            <a:pPr eaLnBrk="1" hangingPunct="1"/>
             <a:r>
               <a:rPr lang="en-US" smtClean="0"/>
               <a:t>Player health points</a:t>
             </a:r>
           </a:p>
           <a:p>
+            <a:pPr eaLnBrk="1" hangingPunct="1"/>
             <a:r>
               <a:rPr lang="en-US" smtClean="0"/>
               <a:t>Can leave through the exit door when hit up arrow key</a:t>
-            </a:r>
-          </a:p>
-        </p:txBody>
-      </p:sp>
-    </p:spTree>
-  </p:cSld>
-  <p:clrMapOvr>
-    <a:masterClrMapping/>
-  </p:clrMapOvr>
-</p:sld>
-</file>
-
-<file path=ppt/slides/slide9.xml><?xml version="1.0" encoding="utf-8"?>
-<p:sld xmlns:a="http://schemas.openxmlformats.org/drawingml/2006/main" xmlns:r="http://schemas.openxmlformats.org/officeDocument/2006/relationships" xmlns:mc="http://schemas.openxmlformats.org/markup-compatibility/2006" xmlns:mv="urn:schemas-microsoft-com:mac:vml" xmlns:p="http://schemas.openxmlformats.org/presentationml/2006/main" mc:Ignorable="mv" mc:PreserveAttributes="mv:*">
-  <p:cSld>
-    <p:spTree>
-      <p:nvGrpSpPr>
-        <p:cNvPr id="1" name=""/>
-        <p:cNvGrpSpPr/>
-        <p:nvPr/>
-      </p:nvGrpSpPr>
-      <p:grpSpPr>
-        <a:xfrm>
-          <a:off x="0" y="0"/>
-          <a:ext cx="0" cy="0"/>
-          <a:chOff x="0" y="0"/>
-          <a:chExt cx="0" cy="0"/>
-        </a:xfrm>
-      </p:grpSpPr>
-      <p:pic>
-        <p:nvPicPr>
-          <p:cNvPr id="19457" name="Content Placeholder 3" descr="04.jpg"/>
-          <p:cNvPicPr>
-            <a:picLocks noGrp="1" noChangeAspect="1"/>
-          </p:cNvPicPr>
-          <p:nvPr>
-            <p:ph idx="1"/>
-          </p:nvPr>
-        </p:nvPicPr>
-        <p:blipFill>
-          <a:blip r:embed="rId2"/>
-          <a:srcRect/>
-          <a:stretch>
-            <a:fillRect/>
-          </a:stretch>
-        </p:blipFill>
-        <p:spPr>
-          <a:xfrm>
-            <a:off x="0" y="0"/>
-            <a:ext cx="9144000" cy="6858000"/>
-          </a:xfrm>
-        </p:spPr>
-      </p:pic>
-      <p:sp>
-        <p:nvSpPr>
-          <p:cNvPr id="19458" name="Title 1"/>
-          <p:cNvSpPr>
-            <a:spLocks noGrp="1"/>
-          </p:cNvSpPr>
-          <p:nvPr>
-            <p:ph type="title"/>
-          </p:nvPr>
-        </p:nvSpPr>
-        <p:spPr/>
-        <p:txBody>
-          <a:bodyPr/>
-          <a:lstStyle/>
-          <a:p>
-            <a:r>
-              <a:rPr lang="en-US" smtClean="0">
-                <a:solidFill>
-                  <a:schemeClr val="bg1"/>
-                </a:solidFill>
-              </a:rPr>
-              <a:t>Demo</a:t>
-            </a:r>
-          </a:p>
-        </p:txBody>
-      </p:sp>
-      <p:sp>
-        <p:nvSpPr>
-          <p:cNvPr id="5" name="TextBox 4"/>
-          <p:cNvSpPr txBox="1"/>
-          <p:nvPr/>
-        </p:nvSpPr>
-        <p:spPr>
-          <a:xfrm>
-            <a:off x="228600" y="2209800"/>
-            <a:ext cx="8686800" cy="1068388"/>
-          </a:xfrm>
-          <a:prstGeom prst="rect">
-            <a:avLst/>
-          </a:prstGeom>
-          <a:noFill/>
-        </p:spPr>
-        <p:txBody>
-          <a:bodyPr>
-            <a:prstTxWarp prst="textNoShape">
-              <a:avLst/>
-            </a:prstTxWarp>
-            <a:spAutoFit/>
-          </a:bodyPr>
-          <a:lstStyle/>
-          <a:p>
-            <a:pPr algn="ctr"/>
-            <a:r>
-              <a:rPr lang="en-US" sz="2800">
-                <a:latin typeface="Calibri" pitchFamily="-72" charset="0"/>
-              </a:rPr>
-              <a:t>Credit</a:t>
-            </a:r>
-          </a:p>
-          <a:p>
-            <a:pPr algn="ctr"/>
-            <a:r>
-              <a:rPr lang="en-US" sz="1800">
-                <a:latin typeface="Calibri" pitchFamily="-72" charset="0"/>
-              </a:rPr>
-              <a:t>Game design: Team 3</a:t>
-            </a:r>
-          </a:p>
-          <a:p>
-            <a:pPr algn="ctr"/>
-            <a:r>
-              <a:rPr lang="en-US" sz="1800">
-                <a:latin typeface="Calibri" pitchFamily="-72" charset="0"/>
-              </a:rPr>
-              <a:t>Music by: Flux Pavilion, Zombie Panic, Excision &amp; Datsik </a:t>
             </a:r>
           </a:p>
         </p:txBody>
